--- a/datawrapper/Presentation1.pptx
+++ b/datawrapper/Presentation1.pptx
@@ -5,8 +5,7 @@
     <p:sldMasterId id="2147483648" r:id="rId1"/>
   </p:sldMasterIdLst>
   <p:sldIdLst>
-    <p:sldId id="266" r:id="rId2"/>
-    <p:sldId id="267" r:id="rId3"/>
+    <p:sldId id="268" r:id="rId2"/>
   </p:sldIdLst>
   <p:sldSz cx="12192000" cy="6858000"/>
   <p:notesSz cx="6858000" cy="9144000"/>
@@ -3350,10 +3349,10 @@
       </p:grpSpPr>
       <p:grpSp>
         <p:nvGrpSpPr>
-          <p:cNvPr id="22" name="Group 21">
-            <a:extLst>
-              <a:ext uri="{FF2B5EF4-FFF2-40B4-BE49-F238E27FC236}">
-                <a16:creationId xmlns:a16="http://schemas.microsoft.com/office/drawing/2014/main" id="{B6CF2C0C-30B9-49EE-B3FF-C897B894E204}"/>
+          <p:cNvPr id="6" name="Group 5">
+            <a:extLst>
+              <a:ext uri="{FF2B5EF4-FFF2-40B4-BE49-F238E27FC236}">
+                <a16:creationId xmlns:a16="http://schemas.microsoft.com/office/drawing/2014/main" id="{F0D62F0E-DEA4-4723-B94B-F6B6D79D1247}"/>
               </a:ext>
             </a:extLst>
           </p:cNvPr>
@@ -3362,18 +3361,18 @@
         </p:nvGrpSpPr>
         <p:grpSpPr>
           <a:xfrm>
-            <a:off x="1223928" y="96764"/>
-            <a:ext cx="10061741" cy="6677744"/>
-            <a:chOff x="1223928" y="96764"/>
-            <a:chExt cx="10061741" cy="6677744"/>
+            <a:off x="1223928" y="98286"/>
+            <a:ext cx="10061741" cy="6724070"/>
+            <a:chOff x="1223928" y="98286"/>
+            <a:chExt cx="10061741" cy="6724070"/>
           </a:xfrm>
         </p:grpSpPr>
         <p:pic>
           <p:nvPicPr>
-            <p:cNvPr id="6" name="Picture 5" descr="Chart, line chart&#10;&#10;Description automatically generated">
+            <p:cNvPr id="21" name="Picture 20" descr="Graphical user interface, website&#10;&#10;Description automatically generated with medium confidence">
               <a:extLst>
                 <a:ext uri="{FF2B5EF4-FFF2-40B4-BE49-F238E27FC236}">
-                  <a16:creationId xmlns:a16="http://schemas.microsoft.com/office/drawing/2014/main" id="{72E70E9A-9CB3-44E9-B26B-038720E17D03}"/>
+                  <a16:creationId xmlns:a16="http://schemas.microsoft.com/office/drawing/2014/main" id="{3A02EF41-3BE6-44BE-A601-4906D83F7386}"/>
                 </a:ext>
               </a:extLst>
             </p:cNvPr>
@@ -3390,13 +3389,13 @@
                 </a:ext>
               </a:extLst>
             </a:blip>
-            <a:srcRect b="7652"/>
+            <a:srcRect b="15978"/>
             <a:stretch/>
           </p:blipFill>
           <p:spPr>
             <a:xfrm>
-              <a:off x="1224618" y="4231821"/>
-              <a:ext cx="3353683" cy="2542685"/>
+              <a:off x="1223928" y="2972114"/>
+              <a:ext cx="3354143" cy="1259705"/>
             </a:xfrm>
             <a:prstGeom prst="rect">
               <a:avLst/>
@@ -3405,10 +3404,10 @@
         </p:pic>
         <p:pic>
           <p:nvPicPr>
-            <p:cNvPr id="7" name="Picture 6" descr="Chart, line chart&#10;&#10;Description automatically generated">
+            <p:cNvPr id="5" name="Picture 4" descr="Chart, line chart&#10;&#10;Description automatically generated">
               <a:extLst>
                 <a:ext uri="{FF2B5EF4-FFF2-40B4-BE49-F238E27FC236}">
-                  <a16:creationId xmlns:a16="http://schemas.microsoft.com/office/drawing/2014/main" id="{4B480266-F9A2-4420-83D2-878F8FDC7B51}"/>
+                  <a16:creationId xmlns:a16="http://schemas.microsoft.com/office/drawing/2014/main" id="{5AFB34E9-8024-4488-91BC-1C28D84AEE33}"/>
                 </a:ext>
               </a:extLst>
             </p:cNvPr>
@@ -3425,13 +3424,13 @@
                 </a:ext>
               </a:extLst>
             </a:blip>
-            <a:srcRect b="7652"/>
+            <a:srcRect b="5675"/>
             <a:stretch/>
           </p:blipFill>
           <p:spPr>
             <a:xfrm>
-              <a:off x="4578302" y="4231823"/>
-              <a:ext cx="3353684" cy="2542685"/>
+              <a:off x="4574322" y="4231820"/>
+              <a:ext cx="3345178" cy="2590536"/>
             </a:xfrm>
             <a:prstGeom prst="rect">
               <a:avLst/>
@@ -3440,10 +3439,10 @@
         </p:pic>
         <p:pic>
           <p:nvPicPr>
-            <p:cNvPr id="8" name="Picture 7" descr="Chart, line chart&#10;&#10;Description automatically generated">
+            <p:cNvPr id="11" name="Picture 10" descr="Chart, line chart&#10;&#10;Description automatically generated">
               <a:extLst>
                 <a:ext uri="{FF2B5EF4-FFF2-40B4-BE49-F238E27FC236}">
-                  <a16:creationId xmlns:a16="http://schemas.microsoft.com/office/drawing/2014/main" id="{3AA2CC3A-A08B-47E2-B21C-88AFD8B6C3A8}"/>
+                  <a16:creationId xmlns:a16="http://schemas.microsoft.com/office/drawing/2014/main" id="{EA1CC84B-A21F-4047-AC39-83F388A7E0FF}"/>
                 </a:ext>
               </a:extLst>
             </p:cNvPr>
@@ -3460,13 +3459,13 @@
                 </a:ext>
               </a:extLst>
             </a:blip>
-            <a:srcRect b="7652"/>
+            <a:srcRect b="6263"/>
             <a:stretch/>
           </p:blipFill>
           <p:spPr>
             <a:xfrm>
-              <a:off x="7931985" y="4231822"/>
-              <a:ext cx="3353683" cy="2542685"/>
+              <a:off x="7919500" y="4231819"/>
+              <a:ext cx="3366169" cy="2590537"/>
             </a:xfrm>
             <a:prstGeom prst="rect">
               <a:avLst/>
@@ -3475,10 +3474,10 @@
         </p:pic>
         <p:pic>
           <p:nvPicPr>
-            <p:cNvPr id="13" name="Picture 12" descr="Chart, line chart&#10;&#10;Description automatically generated">
+            <p:cNvPr id="14" name="Picture 13" descr="Chart, line chart&#10;&#10;Description automatically generated">
               <a:extLst>
                 <a:ext uri="{FF2B5EF4-FFF2-40B4-BE49-F238E27FC236}">
-                  <a16:creationId xmlns:a16="http://schemas.microsoft.com/office/drawing/2014/main" id="{C6137AC3-81B7-47D1-A02F-02E17E86132B}"/>
+                  <a16:creationId xmlns:a16="http://schemas.microsoft.com/office/drawing/2014/main" id="{52F6C6EE-6EBF-4F3C-AE56-5C77FB1BBB77}"/>
                 </a:ext>
               </a:extLst>
             </p:cNvPr>
@@ -3501,43 +3500,8 @@
           </p:blipFill>
           <p:spPr>
             <a:xfrm>
-              <a:off x="4578303" y="96764"/>
-              <a:ext cx="6707366" cy="4135057"/>
-            </a:xfrm>
-            <a:prstGeom prst="rect">
-              <a:avLst/>
-            </a:prstGeom>
-          </p:spPr>
-        </p:pic>
-        <p:pic>
-          <p:nvPicPr>
-            <p:cNvPr id="21" name="Picture 20" descr="Graphical user interface, website&#10;&#10;Description automatically generated with medium confidence">
-              <a:extLst>
-                <a:ext uri="{FF2B5EF4-FFF2-40B4-BE49-F238E27FC236}">
-                  <a16:creationId xmlns:a16="http://schemas.microsoft.com/office/drawing/2014/main" id="{3A02EF41-3BE6-44BE-A601-4906D83F7386}"/>
-                </a:ext>
-              </a:extLst>
-            </p:cNvPr>
-            <p:cNvPicPr>
-              <a:picLocks noChangeAspect="1"/>
-            </p:cNvPicPr>
-            <p:nvPr/>
-          </p:nvPicPr>
-          <p:blipFill rotWithShape="1">
-            <a:blip r:embed="rId6">
-              <a:extLst>
-                <a:ext uri="{28A0092B-C50C-407E-A947-70E740481C1C}">
-                  <a14:useLocalDpi xmlns:a14="http://schemas.microsoft.com/office/drawing/2010/main" val="0"/>
-                </a:ext>
-              </a:extLst>
-            </a:blip>
-            <a:srcRect b="15978"/>
-            <a:stretch/>
-          </p:blipFill>
-          <p:spPr>
-            <a:xfrm>
-              <a:off x="1223928" y="2972114"/>
-              <a:ext cx="3354143" cy="1259705"/>
+              <a:off x="4574322" y="98286"/>
+              <a:ext cx="6711347" cy="4137510"/>
             </a:xfrm>
             <a:prstGeom prst="rect">
               <a:avLst/>
@@ -3558,7 +3522,7 @@
           </p:nvSpPr>
           <p:spPr>
             <a:xfrm>
-              <a:off x="1232893" y="101244"/>
+              <a:off x="1232893" y="103422"/>
               <a:ext cx="3354142" cy="2864718"/>
             </a:xfrm>
             <a:prstGeom prst="rect">
@@ -3665,338 +3629,46 @@
             </a:p>
           </p:txBody>
         </p:sp>
+        <p:pic>
+          <p:nvPicPr>
+            <p:cNvPr id="4" name="Picture 3" descr="Chart, line chart&#10;&#10;Description automatically generated">
+              <a:extLst>
+                <a:ext uri="{FF2B5EF4-FFF2-40B4-BE49-F238E27FC236}">
+                  <a16:creationId xmlns:a16="http://schemas.microsoft.com/office/drawing/2014/main" id="{7CA40C19-D598-48B1-873A-EAE00DD39060}"/>
+                </a:ext>
+              </a:extLst>
+            </p:cNvPr>
+            <p:cNvPicPr>
+              <a:picLocks noChangeAspect="1"/>
+            </p:cNvPicPr>
+            <p:nvPr/>
+          </p:nvPicPr>
+          <p:blipFill rotWithShape="1">
+            <a:blip r:embed="rId6">
+              <a:extLst>
+                <a:ext uri="{28A0092B-C50C-407E-A947-70E740481C1C}">
+                  <a14:useLocalDpi xmlns:a14="http://schemas.microsoft.com/office/drawing/2010/main" val="0"/>
+                </a:ext>
+              </a:extLst>
+            </a:blip>
+            <a:srcRect b="5928"/>
+            <a:stretch/>
+          </p:blipFill>
+          <p:spPr>
+            <a:xfrm>
+              <a:off x="1224155" y="4231818"/>
+              <a:ext cx="3354143" cy="2590537"/>
+            </a:xfrm>
+            <a:prstGeom prst="rect">
+              <a:avLst/>
+            </a:prstGeom>
+          </p:spPr>
+        </p:pic>
       </p:grpSp>
     </p:spTree>
     <p:extLst>
       <p:ext uri="{BB962C8B-B14F-4D97-AF65-F5344CB8AC3E}">
-        <p14:creationId xmlns:p14="http://schemas.microsoft.com/office/powerpoint/2010/main" val="2165032262"/>
-      </p:ext>
-    </p:extLst>
-  </p:cSld>
-  <p:clrMapOvr>
-    <a:masterClrMapping/>
-  </p:clrMapOvr>
-</p:sld>
-</file>
-
-<file path=ppt/slides/slide2.xml><?xml version="1.0" encoding="utf-8"?>
-<p:sld xmlns:a="http://schemas.openxmlformats.org/drawingml/2006/main" xmlns:r="http://schemas.openxmlformats.org/officeDocument/2006/relationships" xmlns:p="http://schemas.openxmlformats.org/presentationml/2006/main">
-  <p:cSld>
-    <p:spTree>
-      <p:nvGrpSpPr>
-        <p:cNvPr id="1" name=""/>
-        <p:cNvGrpSpPr/>
-        <p:nvPr/>
-      </p:nvGrpSpPr>
-      <p:grpSpPr>
-        <a:xfrm>
-          <a:off x="0" y="0"/>
-          <a:ext cx="0" cy="0"/>
-          <a:chOff x="0" y="0"/>
-          <a:chExt cx="0" cy="0"/>
-        </a:xfrm>
-      </p:grpSpPr>
-      <p:pic>
-        <p:nvPicPr>
-          <p:cNvPr id="21" name="Picture 20" descr="Graphical user interface, website&#10;&#10;Description automatically generated with medium confidence">
-            <a:extLst>
-              <a:ext uri="{FF2B5EF4-FFF2-40B4-BE49-F238E27FC236}">
-                <a16:creationId xmlns:a16="http://schemas.microsoft.com/office/drawing/2014/main" id="{3A02EF41-3BE6-44BE-A601-4906D83F7386}"/>
-              </a:ext>
-            </a:extLst>
-          </p:cNvPr>
-          <p:cNvPicPr>
-            <a:picLocks noChangeAspect="1"/>
-          </p:cNvPicPr>
-          <p:nvPr/>
-        </p:nvPicPr>
-        <p:blipFill rotWithShape="1">
-          <a:blip r:embed="rId2">
-            <a:extLst>
-              <a:ext uri="{28A0092B-C50C-407E-A947-70E740481C1C}">
-                <a14:useLocalDpi xmlns:a14="http://schemas.microsoft.com/office/drawing/2010/main" val="0"/>
-              </a:ext>
-            </a:extLst>
-          </a:blip>
-          <a:srcRect b="15978"/>
-          <a:stretch/>
-        </p:blipFill>
-        <p:spPr>
-          <a:xfrm>
-            <a:off x="1223928" y="2972114"/>
-            <a:ext cx="3354143" cy="1259705"/>
-          </a:xfrm>
-          <a:prstGeom prst="rect">
-            <a:avLst/>
-          </a:prstGeom>
-        </p:spPr>
-      </p:pic>
-      <p:pic>
-        <p:nvPicPr>
-          <p:cNvPr id="3" name="Picture 2">
-            <a:extLst>
-              <a:ext uri="{FF2B5EF4-FFF2-40B4-BE49-F238E27FC236}">
-                <a16:creationId xmlns:a16="http://schemas.microsoft.com/office/drawing/2014/main" id="{2ABDBDBE-1B0C-4A14-AFF6-9ACEE4D82339}"/>
-              </a:ext>
-            </a:extLst>
-          </p:cNvPr>
-          <p:cNvPicPr>
-            <a:picLocks noChangeAspect="1"/>
-          </p:cNvPicPr>
-          <p:nvPr/>
-        </p:nvPicPr>
-        <p:blipFill rotWithShape="1">
-          <a:blip r:embed="rId3">
-            <a:extLst>
-              <a:ext uri="{28A0092B-C50C-407E-A947-70E740481C1C}">
-                <a14:useLocalDpi xmlns:a14="http://schemas.microsoft.com/office/drawing/2010/main" val="0"/>
-              </a:ext>
-            </a:extLst>
-          </a:blip>
-          <a:srcRect t="1" b="5903"/>
-          <a:stretch/>
-        </p:blipFill>
-        <p:spPr>
-          <a:xfrm>
-            <a:off x="1223696" y="4227708"/>
-            <a:ext cx="3350626" cy="2588494"/>
-          </a:xfrm>
-          <a:prstGeom prst="rect">
-            <a:avLst/>
-          </a:prstGeom>
-        </p:spPr>
-      </p:pic>
-      <p:pic>
-        <p:nvPicPr>
-          <p:cNvPr id="5" name="Picture 4" descr="Chart, line chart&#10;&#10;Description automatically generated">
-            <a:extLst>
-              <a:ext uri="{FF2B5EF4-FFF2-40B4-BE49-F238E27FC236}">
-                <a16:creationId xmlns:a16="http://schemas.microsoft.com/office/drawing/2014/main" id="{5AFB34E9-8024-4488-91BC-1C28D84AEE33}"/>
-              </a:ext>
-            </a:extLst>
-          </p:cNvPr>
-          <p:cNvPicPr>
-            <a:picLocks noChangeAspect="1"/>
-          </p:cNvPicPr>
-          <p:nvPr/>
-        </p:nvPicPr>
-        <p:blipFill rotWithShape="1">
-          <a:blip r:embed="rId4">
-            <a:extLst>
-              <a:ext uri="{28A0092B-C50C-407E-A947-70E740481C1C}">
-                <a14:useLocalDpi xmlns:a14="http://schemas.microsoft.com/office/drawing/2010/main" val="0"/>
-              </a:ext>
-            </a:extLst>
-          </a:blip>
-          <a:srcRect b="5675"/>
-          <a:stretch/>
-        </p:blipFill>
-        <p:spPr>
-          <a:xfrm>
-            <a:off x="4574322" y="4225666"/>
-            <a:ext cx="3345178" cy="2590536"/>
-          </a:xfrm>
-          <a:prstGeom prst="rect">
-            <a:avLst/>
-          </a:prstGeom>
-        </p:spPr>
-      </p:pic>
-      <p:pic>
-        <p:nvPicPr>
-          <p:cNvPr id="11" name="Picture 10" descr="Chart, line chart&#10;&#10;Description automatically generated">
-            <a:extLst>
-              <a:ext uri="{FF2B5EF4-FFF2-40B4-BE49-F238E27FC236}">
-                <a16:creationId xmlns:a16="http://schemas.microsoft.com/office/drawing/2014/main" id="{EA1CC84B-A21F-4047-AC39-83F388A7E0FF}"/>
-              </a:ext>
-            </a:extLst>
-          </p:cNvPr>
-          <p:cNvPicPr>
-            <a:picLocks noChangeAspect="1"/>
-          </p:cNvPicPr>
-          <p:nvPr/>
-        </p:nvPicPr>
-        <p:blipFill rotWithShape="1">
-          <a:blip r:embed="rId5">
-            <a:extLst>
-              <a:ext uri="{28A0092B-C50C-407E-A947-70E740481C1C}">
-                <a14:useLocalDpi xmlns:a14="http://schemas.microsoft.com/office/drawing/2010/main" val="0"/>
-              </a:ext>
-            </a:extLst>
-          </a:blip>
-          <a:srcRect b="6263"/>
-          <a:stretch/>
-        </p:blipFill>
-        <p:spPr>
-          <a:xfrm>
-            <a:off x="7919500" y="4225665"/>
-            <a:ext cx="3366169" cy="2590537"/>
-          </a:xfrm>
-          <a:prstGeom prst="rect">
-            <a:avLst/>
-          </a:prstGeom>
-        </p:spPr>
-      </p:pic>
-      <p:pic>
-        <p:nvPicPr>
-          <p:cNvPr id="14" name="Picture 13" descr="Chart, line chart&#10;&#10;Description automatically generated">
-            <a:extLst>
-              <a:ext uri="{FF2B5EF4-FFF2-40B4-BE49-F238E27FC236}">
-                <a16:creationId xmlns:a16="http://schemas.microsoft.com/office/drawing/2014/main" id="{52F6C6EE-6EBF-4F3C-AE56-5C77FB1BBB77}"/>
-              </a:ext>
-            </a:extLst>
-          </p:cNvPr>
-          <p:cNvPicPr>
-            <a:picLocks noChangeAspect="1"/>
-          </p:cNvPicPr>
-          <p:nvPr/>
-        </p:nvPicPr>
-        <p:blipFill>
-          <a:blip r:embed="rId6">
-            <a:extLst>
-              <a:ext uri="{28A0092B-C50C-407E-A947-70E740481C1C}">
-                <a14:useLocalDpi xmlns:a14="http://schemas.microsoft.com/office/drawing/2010/main" val="0"/>
-              </a:ext>
-            </a:extLst>
-          </a:blip>
-          <a:stretch>
-            <a:fillRect/>
-          </a:stretch>
-        </p:blipFill>
-        <p:spPr>
-          <a:xfrm>
-            <a:off x="4574322" y="92132"/>
-            <a:ext cx="6711347" cy="4137510"/>
-          </a:xfrm>
-          <a:prstGeom prst="rect">
-            <a:avLst/>
-          </a:prstGeom>
-        </p:spPr>
-      </p:pic>
-      <p:sp>
-        <p:nvSpPr>
-          <p:cNvPr id="10" name="Rectangle 9">
-            <a:extLst>
-              <a:ext uri="{FF2B5EF4-FFF2-40B4-BE49-F238E27FC236}">
-                <a16:creationId xmlns:a16="http://schemas.microsoft.com/office/drawing/2014/main" id="{09C36DBF-C02E-4B91-B6A9-00BD923F51BF}"/>
-              </a:ext>
-            </a:extLst>
-          </p:cNvPr>
-          <p:cNvSpPr/>
-          <p:nvPr/>
-        </p:nvSpPr>
-        <p:spPr>
-          <a:xfrm>
-            <a:off x="1232893" y="97268"/>
-            <a:ext cx="3354142" cy="2864718"/>
-          </a:xfrm>
-          <a:prstGeom prst="rect">
-            <a:avLst/>
-          </a:prstGeom>
-          <a:solidFill>
-            <a:srgbClr val="323D4D"/>
-          </a:solidFill>
-          <a:ln w="12700">
-            <a:solidFill>
-              <a:schemeClr val="bg1"/>
-            </a:solidFill>
-          </a:ln>
-        </p:spPr>
-        <p:style>
-          <a:lnRef idx="2">
-            <a:schemeClr val="accent1">
-              <a:shade val="50000"/>
-            </a:schemeClr>
-          </a:lnRef>
-          <a:fillRef idx="1">
-            <a:schemeClr val="accent1"/>
-          </a:fillRef>
-          <a:effectRef idx="0">
-            <a:schemeClr val="accent1"/>
-          </a:effectRef>
-          <a:fontRef idx="minor">
-            <a:schemeClr val="lt1"/>
-          </a:fontRef>
-        </p:style>
-        <p:txBody>
-          <a:bodyPr rtlCol="0" anchor="ctr"/>
-          <a:lstStyle/>
-          <a:p>
-            <a:endParaRPr lang="en-US" sz="1600" b="1" dirty="0">
-              <a:latin typeface="Arial" panose="020B0604020202020204" pitchFamily="34" charset="0"/>
-              <a:cs typeface="Arial" panose="020B0604020202020204" pitchFamily="34" charset="0"/>
-            </a:endParaRPr>
-          </a:p>
-          <a:p>
-            <a:pPr marL="72000"/>
-            <a:r>
-              <a:rPr lang="en-US" sz="1600" b="1" dirty="0">
-                <a:latin typeface="Arial" panose="020B0604020202020204" pitchFamily="34" charset="0"/>
-                <a:cs typeface="Arial" panose="020B0604020202020204" pitchFamily="34" charset="0"/>
-              </a:rPr>
-              <a:t>Reports of suspected adverse reactions to COVID-19 vaccines in Switzerland</a:t>
-            </a:r>
-          </a:p>
-          <a:p>
-            <a:pPr marL="72000"/>
-            <a:endParaRPr lang="en-US" sz="1100" b="1" dirty="0">
-              <a:latin typeface="Arial" panose="020B0604020202020204" pitchFamily="34" charset="0"/>
-              <a:cs typeface="Arial" panose="020B0604020202020204" pitchFamily="34" charset="0"/>
-            </a:endParaRPr>
-          </a:p>
-          <a:p>
-            <a:pPr marL="72000">
-              <a:lnSpc>
-                <a:spcPct val="110000"/>
-              </a:lnSpc>
-              <a:spcAft>
-                <a:spcPts val="300"/>
-              </a:spcAft>
-            </a:pPr>
-            <a:r>
-              <a:rPr lang="en-US" sz="1050" dirty="0" err="1">
-                <a:latin typeface="Arial" panose="020B0604020202020204" pitchFamily="34" charset="0"/>
-                <a:cs typeface="Arial" panose="020B0604020202020204" pitchFamily="34" charset="0"/>
-              </a:rPr>
-              <a:t>Swissmedic</a:t>
-            </a:r>
-            <a:r>
-              <a:rPr lang="en-US" sz="1050" dirty="0">
-                <a:latin typeface="Arial" panose="020B0604020202020204" pitchFamily="34" charset="0"/>
-                <a:cs typeface="Arial" panose="020B0604020202020204" pitchFamily="34" charset="0"/>
-              </a:rPr>
-              <a:t> collects the reports of suspected adverse reactions to Covid-19 vaccines in Switzerland. A report can be submitted by anyone, including patients, and it can contain more than one adverse reaction. These charts show the </a:t>
-            </a:r>
-            <a:r>
-              <a:rPr lang="en-US" sz="1050" u="sng" dirty="0">
-                <a:latin typeface="Arial" panose="020B0604020202020204" pitchFamily="34" charset="0"/>
-                <a:cs typeface="Arial" panose="020B0604020202020204" pitchFamily="34" charset="0"/>
-              </a:rPr>
-              <a:t>number of reports</a:t>
-            </a:r>
-            <a:r>
-              <a:rPr lang="en-US" sz="1050" dirty="0">
-                <a:latin typeface="Arial" panose="020B0604020202020204" pitchFamily="34" charset="0"/>
-                <a:cs typeface="Arial" panose="020B0604020202020204" pitchFamily="34" charset="0"/>
-              </a:rPr>
-              <a:t> in absolute numbers and per 100,000 vaccinated people, from 23 March 2021 to 23 November 2021. Reports are updated every three weeks. These data and analyses have important limitations and must be interpreted with caution.</a:t>
-            </a:r>
-            <a:endParaRPr lang="en-US" sz="1100" b="1" dirty="0">
-              <a:latin typeface="Arial" panose="020B0604020202020204" pitchFamily="34" charset="0"/>
-              <a:cs typeface="Arial" panose="020B0604020202020204" pitchFamily="34" charset="0"/>
-            </a:endParaRPr>
-          </a:p>
-          <a:p>
-            <a:endParaRPr lang="en-US" sz="1600" b="1" dirty="0">
-              <a:latin typeface="Arial" panose="020B0604020202020204" pitchFamily="34" charset="0"/>
-              <a:cs typeface="Arial" panose="020B0604020202020204" pitchFamily="34" charset="0"/>
-            </a:endParaRPr>
-          </a:p>
-        </p:txBody>
-      </p:sp>
-    </p:spTree>
-    <p:extLst>
-      <p:ext uri="{BB962C8B-B14F-4D97-AF65-F5344CB8AC3E}">
-        <p14:creationId xmlns:p14="http://schemas.microsoft.com/office/powerpoint/2010/main" val="3208618987"/>
+        <p14:creationId xmlns:p14="http://schemas.microsoft.com/office/powerpoint/2010/main" val="954576973"/>
       </p:ext>
     </p:extLst>
   </p:cSld>

--- a/datawrapper/Presentation1.pptx
+++ b/datawrapper/Presentation1.pptx
@@ -6,6 +6,7 @@
   </p:sldMasterIdLst>
   <p:sldIdLst>
     <p:sldId id="268" r:id="rId2"/>
+    <p:sldId id="269" r:id="rId3"/>
   </p:sldIdLst>
   <p:sldSz cx="12192000" cy="6858000"/>
   <p:notesSz cx="6858000" cy="9144000"/>
@@ -261,7 +262,7 @@
           <a:p>
             <a:fld id="{AE7057BD-624B-4EEC-977A-E8B2976BF74C}" type="datetimeFigureOut">
               <a:rPr lang="en-CH" smtClean="0"/>
-              <a:t>15/12/2021</a:t>
+              <a:t>16/12/2021</a:t>
             </a:fld>
             <a:endParaRPr lang="en-CH"/>
           </a:p>
@@ -461,7 +462,7 @@
           <a:p>
             <a:fld id="{AE7057BD-624B-4EEC-977A-E8B2976BF74C}" type="datetimeFigureOut">
               <a:rPr lang="en-CH" smtClean="0"/>
-              <a:t>15/12/2021</a:t>
+              <a:t>16/12/2021</a:t>
             </a:fld>
             <a:endParaRPr lang="en-CH"/>
           </a:p>
@@ -671,7 +672,7 @@
           <a:p>
             <a:fld id="{AE7057BD-624B-4EEC-977A-E8B2976BF74C}" type="datetimeFigureOut">
               <a:rPr lang="en-CH" smtClean="0"/>
-              <a:t>15/12/2021</a:t>
+              <a:t>16/12/2021</a:t>
             </a:fld>
             <a:endParaRPr lang="en-CH"/>
           </a:p>
@@ -871,7 +872,7 @@
           <a:p>
             <a:fld id="{AE7057BD-624B-4EEC-977A-E8B2976BF74C}" type="datetimeFigureOut">
               <a:rPr lang="en-CH" smtClean="0"/>
-              <a:t>15/12/2021</a:t>
+              <a:t>16/12/2021</a:t>
             </a:fld>
             <a:endParaRPr lang="en-CH"/>
           </a:p>
@@ -1147,7 +1148,7 @@
           <a:p>
             <a:fld id="{AE7057BD-624B-4EEC-977A-E8B2976BF74C}" type="datetimeFigureOut">
               <a:rPr lang="en-CH" smtClean="0"/>
-              <a:t>15/12/2021</a:t>
+              <a:t>16/12/2021</a:t>
             </a:fld>
             <a:endParaRPr lang="en-CH"/>
           </a:p>
@@ -1415,7 +1416,7 @@
           <a:p>
             <a:fld id="{AE7057BD-624B-4EEC-977A-E8B2976BF74C}" type="datetimeFigureOut">
               <a:rPr lang="en-CH" smtClean="0"/>
-              <a:t>15/12/2021</a:t>
+              <a:t>16/12/2021</a:t>
             </a:fld>
             <a:endParaRPr lang="en-CH"/>
           </a:p>
@@ -1830,7 +1831,7 @@
           <a:p>
             <a:fld id="{AE7057BD-624B-4EEC-977A-E8B2976BF74C}" type="datetimeFigureOut">
               <a:rPr lang="en-CH" smtClean="0"/>
-              <a:t>15/12/2021</a:t>
+              <a:t>16/12/2021</a:t>
             </a:fld>
             <a:endParaRPr lang="en-CH"/>
           </a:p>
@@ -1972,7 +1973,7 @@
           <a:p>
             <a:fld id="{AE7057BD-624B-4EEC-977A-E8B2976BF74C}" type="datetimeFigureOut">
               <a:rPr lang="en-CH" smtClean="0"/>
-              <a:t>15/12/2021</a:t>
+              <a:t>16/12/2021</a:t>
             </a:fld>
             <a:endParaRPr lang="en-CH"/>
           </a:p>
@@ -2085,7 +2086,7 @@
           <a:p>
             <a:fld id="{AE7057BD-624B-4EEC-977A-E8B2976BF74C}" type="datetimeFigureOut">
               <a:rPr lang="en-CH" smtClean="0"/>
-              <a:t>15/12/2021</a:t>
+              <a:t>16/12/2021</a:t>
             </a:fld>
             <a:endParaRPr lang="en-CH"/>
           </a:p>
@@ -2398,7 +2399,7 @@
           <a:p>
             <a:fld id="{AE7057BD-624B-4EEC-977A-E8B2976BF74C}" type="datetimeFigureOut">
               <a:rPr lang="en-CH" smtClean="0"/>
-              <a:t>15/12/2021</a:t>
+              <a:t>16/12/2021</a:t>
             </a:fld>
             <a:endParaRPr lang="en-CH"/>
           </a:p>
@@ -2687,7 +2688,7 @@
           <a:p>
             <a:fld id="{AE7057BD-624B-4EEC-977A-E8B2976BF74C}" type="datetimeFigureOut">
               <a:rPr lang="en-CH" smtClean="0"/>
-              <a:t>15/12/2021</a:t>
+              <a:t>16/12/2021</a:t>
             </a:fld>
             <a:endParaRPr lang="en-CH"/>
           </a:p>
@@ -2930,7 +2931,7 @@
           <a:p>
             <a:fld id="{AE7057BD-624B-4EEC-977A-E8B2976BF74C}" type="datetimeFigureOut">
               <a:rPr lang="en-CH" smtClean="0"/>
-              <a:t>15/12/2021</a:t>
+              <a:t>16/12/2021</a:t>
             </a:fld>
             <a:endParaRPr lang="en-CH"/>
           </a:p>
@@ -3678,6 +3679,341 @@
 </p:sld>
 </file>
 
+<file path=ppt/slides/slide2.xml><?xml version="1.0" encoding="utf-8"?>
+<p:sld xmlns:a="http://schemas.openxmlformats.org/drawingml/2006/main" xmlns:r="http://schemas.openxmlformats.org/officeDocument/2006/relationships" xmlns:p="http://schemas.openxmlformats.org/presentationml/2006/main">
+  <p:cSld>
+    <p:bg>
+      <p:bgPr>
+        <a:solidFill>
+          <a:schemeClr val="bg1"/>
+        </a:solidFill>
+        <a:effectLst/>
+      </p:bgPr>
+    </p:bg>
+    <p:spTree>
+      <p:nvGrpSpPr>
+        <p:cNvPr id="1" name=""/>
+        <p:cNvGrpSpPr/>
+        <p:nvPr/>
+      </p:nvGrpSpPr>
+      <p:grpSpPr>
+        <a:xfrm>
+          <a:off x="0" y="0"/>
+          <a:ext cx="0" cy="0"/>
+          <a:chOff x="0" y="0"/>
+          <a:chExt cx="0" cy="0"/>
+        </a:xfrm>
+      </p:grpSpPr>
+      <p:pic>
+        <p:nvPicPr>
+          <p:cNvPr id="21" name="Picture 20" descr="Graphical user interface, website&#10;&#10;Description automatically generated with medium confidence">
+            <a:extLst>
+              <a:ext uri="{FF2B5EF4-FFF2-40B4-BE49-F238E27FC236}">
+                <a16:creationId xmlns:a16="http://schemas.microsoft.com/office/drawing/2014/main" id="{3A02EF41-3BE6-44BE-A601-4906D83F7386}"/>
+              </a:ext>
+            </a:extLst>
+          </p:cNvPr>
+          <p:cNvPicPr>
+            <a:picLocks noChangeAspect="1"/>
+          </p:cNvPicPr>
+          <p:nvPr/>
+        </p:nvPicPr>
+        <p:blipFill rotWithShape="1">
+          <a:blip r:embed="rId2">
+            <a:extLst>
+              <a:ext uri="{28A0092B-C50C-407E-A947-70E740481C1C}">
+                <a14:useLocalDpi xmlns:a14="http://schemas.microsoft.com/office/drawing/2010/main" val="0"/>
+              </a:ext>
+            </a:extLst>
+          </a:blip>
+          <a:srcRect b="15978"/>
+          <a:stretch/>
+        </p:blipFill>
+        <p:spPr>
+          <a:xfrm>
+            <a:off x="1223928" y="2972114"/>
+            <a:ext cx="3354143" cy="1259705"/>
+          </a:xfrm>
+          <a:prstGeom prst="rect">
+            <a:avLst/>
+          </a:prstGeom>
+        </p:spPr>
+      </p:pic>
+      <p:pic>
+        <p:nvPicPr>
+          <p:cNvPr id="5" name="Picture 4" descr="Chart, line chart&#10;&#10;Description automatically generated">
+            <a:extLst>
+              <a:ext uri="{FF2B5EF4-FFF2-40B4-BE49-F238E27FC236}">
+                <a16:creationId xmlns:a16="http://schemas.microsoft.com/office/drawing/2014/main" id="{5AFB34E9-8024-4488-91BC-1C28D84AEE33}"/>
+              </a:ext>
+            </a:extLst>
+          </p:cNvPr>
+          <p:cNvPicPr>
+            <a:picLocks noChangeAspect="1"/>
+          </p:cNvPicPr>
+          <p:nvPr/>
+        </p:nvPicPr>
+        <p:blipFill rotWithShape="1">
+          <a:blip r:embed="rId3">
+            <a:extLst>
+              <a:ext uri="{28A0092B-C50C-407E-A947-70E740481C1C}">
+                <a14:useLocalDpi xmlns:a14="http://schemas.microsoft.com/office/drawing/2010/main" val="0"/>
+              </a:ext>
+            </a:extLst>
+          </a:blip>
+          <a:srcRect b="5675"/>
+          <a:stretch/>
+        </p:blipFill>
+        <p:spPr>
+          <a:xfrm>
+            <a:off x="4574322" y="4231820"/>
+            <a:ext cx="3345178" cy="2590536"/>
+          </a:xfrm>
+          <a:prstGeom prst="rect">
+            <a:avLst/>
+          </a:prstGeom>
+        </p:spPr>
+      </p:pic>
+      <p:pic>
+        <p:nvPicPr>
+          <p:cNvPr id="11" name="Picture 10" descr="Chart, line chart&#10;&#10;Description automatically generated">
+            <a:extLst>
+              <a:ext uri="{FF2B5EF4-FFF2-40B4-BE49-F238E27FC236}">
+                <a16:creationId xmlns:a16="http://schemas.microsoft.com/office/drawing/2014/main" id="{EA1CC84B-A21F-4047-AC39-83F388A7E0FF}"/>
+              </a:ext>
+            </a:extLst>
+          </p:cNvPr>
+          <p:cNvPicPr>
+            <a:picLocks noChangeAspect="1"/>
+          </p:cNvPicPr>
+          <p:nvPr/>
+        </p:nvPicPr>
+        <p:blipFill rotWithShape="1">
+          <a:blip r:embed="rId4">
+            <a:extLst>
+              <a:ext uri="{28A0092B-C50C-407E-A947-70E740481C1C}">
+                <a14:useLocalDpi xmlns:a14="http://schemas.microsoft.com/office/drawing/2010/main" val="0"/>
+              </a:ext>
+            </a:extLst>
+          </a:blip>
+          <a:srcRect b="6263"/>
+          <a:stretch/>
+        </p:blipFill>
+        <p:spPr>
+          <a:xfrm>
+            <a:off x="7919500" y="4231819"/>
+            <a:ext cx="3366169" cy="2590537"/>
+          </a:xfrm>
+          <a:prstGeom prst="rect">
+            <a:avLst/>
+          </a:prstGeom>
+        </p:spPr>
+      </p:pic>
+      <p:pic>
+        <p:nvPicPr>
+          <p:cNvPr id="14" name="Picture 13" descr="Chart, line chart&#10;&#10;Description automatically generated">
+            <a:extLst>
+              <a:ext uri="{FF2B5EF4-FFF2-40B4-BE49-F238E27FC236}">
+                <a16:creationId xmlns:a16="http://schemas.microsoft.com/office/drawing/2014/main" id="{52F6C6EE-6EBF-4F3C-AE56-5C77FB1BBB77}"/>
+              </a:ext>
+            </a:extLst>
+          </p:cNvPr>
+          <p:cNvPicPr>
+            <a:picLocks noChangeAspect="1"/>
+          </p:cNvPicPr>
+          <p:nvPr/>
+        </p:nvPicPr>
+        <p:blipFill>
+          <a:blip r:embed="rId5">
+            <a:extLst>
+              <a:ext uri="{28A0092B-C50C-407E-A947-70E740481C1C}">
+                <a14:useLocalDpi xmlns:a14="http://schemas.microsoft.com/office/drawing/2010/main" val="0"/>
+              </a:ext>
+            </a:extLst>
+          </a:blip>
+          <a:stretch>
+            <a:fillRect/>
+          </a:stretch>
+        </p:blipFill>
+        <p:spPr>
+          <a:xfrm>
+            <a:off x="4574322" y="98286"/>
+            <a:ext cx="6711347" cy="4137510"/>
+          </a:xfrm>
+          <a:prstGeom prst="rect">
+            <a:avLst/>
+          </a:prstGeom>
+        </p:spPr>
+      </p:pic>
+      <p:sp>
+        <p:nvSpPr>
+          <p:cNvPr id="10" name="Rectangle 9">
+            <a:extLst>
+              <a:ext uri="{FF2B5EF4-FFF2-40B4-BE49-F238E27FC236}">
+                <a16:creationId xmlns:a16="http://schemas.microsoft.com/office/drawing/2014/main" id="{09C36DBF-C02E-4B91-B6A9-00BD923F51BF}"/>
+              </a:ext>
+            </a:extLst>
+          </p:cNvPr>
+          <p:cNvSpPr/>
+          <p:nvPr/>
+        </p:nvSpPr>
+        <p:spPr>
+          <a:xfrm>
+            <a:off x="1215696" y="89322"/>
+            <a:ext cx="3354144" cy="2876322"/>
+          </a:xfrm>
+          <a:prstGeom prst="rect">
+            <a:avLst/>
+          </a:prstGeom>
+          <a:solidFill>
+            <a:srgbClr val="323D4D"/>
+          </a:solidFill>
+          <a:ln w="12700">
+            <a:solidFill>
+              <a:schemeClr val="bg1"/>
+            </a:solidFill>
+          </a:ln>
+        </p:spPr>
+        <p:style>
+          <a:lnRef idx="2">
+            <a:schemeClr val="accent1">
+              <a:shade val="50000"/>
+            </a:schemeClr>
+          </a:lnRef>
+          <a:fillRef idx="1">
+            <a:schemeClr val="accent1"/>
+          </a:fillRef>
+          <a:effectRef idx="0">
+            <a:schemeClr val="accent1"/>
+          </a:effectRef>
+          <a:fontRef idx="minor">
+            <a:schemeClr val="lt1"/>
+          </a:fontRef>
+        </p:style>
+        <p:txBody>
+          <a:bodyPr rtlCol="0" anchor="ctr"/>
+          <a:lstStyle/>
+          <a:p>
+            <a:endParaRPr lang="en-US" sz="1600" b="1" dirty="0">
+              <a:latin typeface="Arial" panose="020B0604020202020204" pitchFamily="34" charset="0"/>
+              <a:cs typeface="Arial" panose="020B0604020202020204" pitchFamily="34" charset="0"/>
+            </a:endParaRPr>
+          </a:p>
+          <a:p>
+            <a:pPr marL="72000"/>
+            <a:r>
+              <a:rPr lang="en-US" sz="1600" b="1" dirty="0">
+                <a:latin typeface="Arial" panose="020B0604020202020204" pitchFamily="34" charset="0"/>
+                <a:cs typeface="Arial" panose="020B0604020202020204" pitchFamily="34" charset="0"/>
+              </a:rPr>
+              <a:t>Reports of suspected adverse reactions to COVID-19 vaccines in Switzerland</a:t>
+            </a:r>
+          </a:p>
+          <a:p>
+            <a:pPr marL="72000"/>
+            <a:endParaRPr lang="en-US" sz="1100" b="1" dirty="0">
+              <a:latin typeface="Arial" panose="020B0604020202020204" pitchFamily="34" charset="0"/>
+              <a:cs typeface="Arial" panose="020B0604020202020204" pitchFamily="34" charset="0"/>
+            </a:endParaRPr>
+          </a:p>
+          <a:p>
+            <a:pPr marL="72000">
+              <a:lnSpc>
+                <a:spcPct val="110000"/>
+              </a:lnSpc>
+              <a:spcAft>
+                <a:spcPts val="300"/>
+              </a:spcAft>
+            </a:pPr>
+            <a:r>
+              <a:rPr lang="en-US" sz="1050" dirty="0" err="1">
+                <a:latin typeface="Arial" panose="020B0604020202020204" pitchFamily="34" charset="0"/>
+                <a:cs typeface="Arial" panose="020B0604020202020204" pitchFamily="34" charset="0"/>
+              </a:rPr>
+              <a:t>Swissmedic</a:t>
+            </a:r>
+            <a:r>
+              <a:rPr lang="en-US" sz="1050" dirty="0">
+                <a:latin typeface="Arial" panose="020B0604020202020204" pitchFamily="34" charset="0"/>
+                <a:cs typeface="Arial" panose="020B0604020202020204" pitchFamily="34" charset="0"/>
+              </a:rPr>
+              <a:t> collects the reports of suspected adverse reactions to Covid-19 vaccines in Switzerland. A report can be submitted by anyone, including patients, and it can contain more than one adverse reaction. These charts show the </a:t>
+            </a:r>
+            <a:r>
+              <a:rPr lang="en-US" sz="1050" u="sng" dirty="0">
+                <a:latin typeface="Arial" panose="020B0604020202020204" pitchFamily="34" charset="0"/>
+                <a:cs typeface="Arial" panose="020B0604020202020204" pitchFamily="34" charset="0"/>
+              </a:rPr>
+              <a:t>number of reports</a:t>
+            </a:r>
+            <a:r>
+              <a:rPr lang="en-US" sz="1050" dirty="0">
+                <a:latin typeface="Arial" panose="020B0604020202020204" pitchFamily="34" charset="0"/>
+                <a:cs typeface="Arial" panose="020B0604020202020204" pitchFamily="34" charset="0"/>
+              </a:rPr>
+              <a:t> in absolute numbers and per 100,000 vaccinated people, from 23 March 2021 to 23 November 2021. Reports are updated every three weeks. These data and analyses have important limitations and must be interpreted with caution.</a:t>
+            </a:r>
+            <a:endParaRPr lang="en-US" sz="1100" b="1" dirty="0">
+              <a:latin typeface="Arial" panose="020B0604020202020204" pitchFamily="34" charset="0"/>
+              <a:cs typeface="Arial" panose="020B0604020202020204" pitchFamily="34" charset="0"/>
+            </a:endParaRPr>
+          </a:p>
+          <a:p>
+            <a:endParaRPr lang="en-US" sz="1600" b="1" dirty="0">
+              <a:latin typeface="Arial" panose="020B0604020202020204" pitchFamily="34" charset="0"/>
+              <a:cs typeface="Arial" panose="020B0604020202020204" pitchFamily="34" charset="0"/>
+            </a:endParaRPr>
+          </a:p>
+        </p:txBody>
+      </p:sp>
+      <p:pic>
+        <p:nvPicPr>
+          <p:cNvPr id="4" name="Picture 3" descr="Chart, line chart&#10;&#10;Description automatically generated">
+            <a:extLst>
+              <a:ext uri="{FF2B5EF4-FFF2-40B4-BE49-F238E27FC236}">
+                <a16:creationId xmlns:a16="http://schemas.microsoft.com/office/drawing/2014/main" id="{7CA40C19-D598-48B1-873A-EAE00DD39060}"/>
+              </a:ext>
+            </a:extLst>
+          </p:cNvPr>
+          <p:cNvPicPr>
+            <a:picLocks noChangeAspect="1"/>
+          </p:cNvPicPr>
+          <p:nvPr/>
+        </p:nvPicPr>
+        <p:blipFill rotWithShape="1">
+          <a:blip r:embed="rId6">
+            <a:extLst>
+              <a:ext uri="{28A0092B-C50C-407E-A947-70E740481C1C}">
+                <a14:useLocalDpi xmlns:a14="http://schemas.microsoft.com/office/drawing/2010/main" val="0"/>
+              </a:ext>
+            </a:extLst>
+          </a:blip>
+          <a:srcRect b="5928"/>
+          <a:stretch/>
+        </p:blipFill>
+        <p:spPr>
+          <a:xfrm>
+            <a:off x="1224155" y="4231818"/>
+            <a:ext cx="3354143" cy="2590537"/>
+          </a:xfrm>
+          <a:prstGeom prst="rect">
+            <a:avLst/>
+          </a:prstGeom>
+        </p:spPr>
+      </p:pic>
+    </p:spTree>
+    <p:extLst>
+      <p:ext uri="{BB962C8B-B14F-4D97-AF65-F5344CB8AC3E}">
+        <p14:creationId xmlns:p14="http://schemas.microsoft.com/office/powerpoint/2010/main" val="2947783597"/>
+      </p:ext>
+    </p:extLst>
+  </p:cSld>
+  <p:clrMapOvr>
+    <a:masterClrMapping/>
+  </p:clrMapOvr>
+</p:sld>
+</file>
+
 <file path=ppt/theme/theme1.xml><?xml version="1.0" encoding="utf-8"?>
 <a:theme xmlns:a="http://schemas.openxmlformats.org/drawingml/2006/main" name="Office Theme">
   <a:themeElements>

--- a/datawrapper/Presentation1.pptx
+++ b/datawrapper/Presentation1.pptx
@@ -7,6 +7,7 @@
   <p:sldIdLst>
     <p:sldId id="268" r:id="rId2"/>
     <p:sldId id="269" r:id="rId3"/>
+    <p:sldId id="270" r:id="rId4"/>
   </p:sldIdLst>
   <p:sldSz cx="12192000" cy="6858000"/>
   <p:notesSz cx="6858000" cy="9144000"/>
@@ -262,7 +263,7 @@
           <a:p>
             <a:fld id="{AE7057BD-624B-4EEC-977A-E8B2976BF74C}" type="datetimeFigureOut">
               <a:rPr lang="en-CH" smtClean="0"/>
-              <a:t>16/12/2021</a:t>
+              <a:t>21/12/2021</a:t>
             </a:fld>
             <a:endParaRPr lang="en-CH"/>
           </a:p>
@@ -462,7 +463,7 @@
           <a:p>
             <a:fld id="{AE7057BD-624B-4EEC-977A-E8B2976BF74C}" type="datetimeFigureOut">
               <a:rPr lang="en-CH" smtClean="0"/>
-              <a:t>16/12/2021</a:t>
+              <a:t>21/12/2021</a:t>
             </a:fld>
             <a:endParaRPr lang="en-CH"/>
           </a:p>
@@ -672,7 +673,7 @@
           <a:p>
             <a:fld id="{AE7057BD-624B-4EEC-977A-E8B2976BF74C}" type="datetimeFigureOut">
               <a:rPr lang="en-CH" smtClean="0"/>
-              <a:t>16/12/2021</a:t>
+              <a:t>21/12/2021</a:t>
             </a:fld>
             <a:endParaRPr lang="en-CH"/>
           </a:p>
@@ -872,7 +873,7 @@
           <a:p>
             <a:fld id="{AE7057BD-624B-4EEC-977A-E8B2976BF74C}" type="datetimeFigureOut">
               <a:rPr lang="en-CH" smtClean="0"/>
-              <a:t>16/12/2021</a:t>
+              <a:t>21/12/2021</a:t>
             </a:fld>
             <a:endParaRPr lang="en-CH"/>
           </a:p>
@@ -1148,7 +1149,7 @@
           <a:p>
             <a:fld id="{AE7057BD-624B-4EEC-977A-E8B2976BF74C}" type="datetimeFigureOut">
               <a:rPr lang="en-CH" smtClean="0"/>
-              <a:t>16/12/2021</a:t>
+              <a:t>21/12/2021</a:t>
             </a:fld>
             <a:endParaRPr lang="en-CH"/>
           </a:p>
@@ -1416,7 +1417,7 @@
           <a:p>
             <a:fld id="{AE7057BD-624B-4EEC-977A-E8B2976BF74C}" type="datetimeFigureOut">
               <a:rPr lang="en-CH" smtClean="0"/>
-              <a:t>16/12/2021</a:t>
+              <a:t>21/12/2021</a:t>
             </a:fld>
             <a:endParaRPr lang="en-CH"/>
           </a:p>
@@ -1831,7 +1832,7 @@
           <a:p>
             <a:fld id="{AE7057BD-624B-4EEC-977A-E8B2976BF74C}" type="datetimeFigureOut">
               <a:rPr lang="en-CH" smtClean="0"/>
-              <a:t>16/12/2021</a:t>
+              <a:t>21/12/2021</a:t>
             </a:fld>
             <a:endParaRPr lang="en-CH"/>
           </a:p>
@@ -1973,7 +1974,7 @@
           <a:p>
             <a:fld id="{AE7057BD-624B-4EEC-977A-E8B2976BF74C}" type="datetimeFigureOut">
               <a:rPr lang="en-CH" smtClean="0"/>
-              <a:t>16/12/2021</a:t>
+              <a:t>21/12/2021</a:t>
             </a:fld>
             <a:endParaRPr lang="en-CH"/>
           </a:p>
@@ -2086,7 +2087,7 @@
           <a:p>
             <a:fld id="{AE7057BD-624B-4EEC-977A-E8B2976BF74C}" type="datetimeFigureOut">
               <a:rPr lang="en-CH" smtClean="0"/>
-              <a:t>16/12/2021</a:t>
+              <a:t>21/12/2021</a:t>
             </a:fld>
             <a:endParaRPr lang="en-CH"/>
           </a:p>
@@ -2399,7 +2400,7 @@
           <a:p>
             <a:fld id="{AE7057BD-624B-4EEC-977A-E8B2976BF74C}" type="datetimeFigureOut">
               <a:rPr lang="en-CH" smtClean="0"/>
-              <a:t>16/12/2021</a:t>
+              <a:t>21/12/2021</a:t>
             </a:fld>
             <a:endParaRPr lang="en-CH"/>
           </a:p>
@@ -2688,7 +2689,7 @@
           <a:p>
             <a:fld id="{AE7057BD-624B-4EEC-977A-E8B2976BF74C}" type="datetimeFigureOut">
               <a:rPr lang="en-CH" smtClean="0"/>
-              <a:t>16/12/2021</a:t>
+              <a:t>21/12/2021</a:t>
             </a:fld>
             <a:endParaRPr lang="en-CH"/>
           </a:p>
@@ -2931,7 +2932,7 @@
           <a:p>
             <a:fld id="{AE7057BD-624B-4EEC-977A-E8B2976BF74C}" type="datetimeFigureOut">
               <a:rPr lang="en-CH" smtClean="0"/>
-              <a:t>16/12/2021</a:t>
+              <a:t>21/12/2021</a:t>
             </a:fld>
             <a:endParaRPr lang="en-CH"/>
           </a:p>
@@ -4014,6 +4015,340 @@
 </p:sld>
 </file>
 
+<file path=ppt/slides/slide3.xml><?xml version="1.0" encoding="utf-8"?>
+<p:sld xmlns:a="http://schemas.openxmlformats.org/drawingml/2006/main" xmlns:r="http://schemas.openxmlformats.org/officeDocument/2006/relationships" xmlns:p="http://schemas.openxmlformats.org/presentationml/2006/main">
+  <p:cSld>
+    <p:spTree>
+      <p:nvGrpSpPr>
+        <p:cNvPr id="1" name=""/>
+        <p:cNvGrpSpPr/>
+        <p:nvPr/>
+      </p:nvGrpSpPr>
+      <p:grpSpPr>
+        <a:xfrm>
+          <a:off x="0" y="0"/>
+          <a:ext cx="0" cy="0"/>
+          <a:chOff x="0" y="0"/>
+          <a:chExt cx="0" cy="0"/>
+        </a:xfrm>
+      </p:grpSpPr>
+      <p:pic>
+        <p:nvPicPr>
+          <p:cNvPr id="21" name="Picture 20" descr="Graphical user interface, website&#10;&#10;Description automatically generated with medium confidence">
+            <a:extLst>
+              <a:ext uri="{FF2B5EF4-FFF2-40B4-BE49-F238E27FC236}">
+                <a16:creationId xmlns:a16="http://schemas.microsoft.com/office/drawing/2014/main" id="{3A02EF41-3BE6-44BE-A601-4906D83F7386}"/>
+              </a:ext>
+            </a:extLst>
+          </p:cNvPr>
+          <p:cNvPicPr>
+            <a:picLocks noChangeAspect="1"/>
+          </p:cNvPicPr>
+          <p:nvPr/>
+        </p:nvPicPr>
+        <p:blipFill rotWithShape="1">
+          <a:blip r:embed="rId2">
+            <a:extLst>
+              <a:ext uri="{28A0092B-C50C-407E-A947-70E740481C1C}">
+                <a14:useLocalDpi xmlns:a14="http://schemas.microsoft.com/office/drawing/2010/main" val="0"/>
+              </a:ext>
+            </a:extLst>
+          </a:blip>
+          <a:srcRect b="15978"/>
+          <a:stretch/>
+        </p:blipFill>
+        <p:spPr>
+          <a:xfrm>
+            <a:off x="1223928" y="2972114"/>
+            <a:ext cx="3354143" cy="1259705"/>
+          </a:xfrm>
+          <a:prstGeom prst="rect">
+            <a:avLst/>
+          </a:prstGeom>
+        </p:spPr>
+      </p:pic>
+      <p:pic>
+        <p:nvPicPr>
+          <p:cNvPr id="5" name="Picture 4" descr="Chart, line chart&#10;&#10;Description automatically generated">
+            <a:extLst>
+              <a:ext uri="{FF2B5EF4-FFF2-40B4-BE49-F238E27FC236}">
+                <a16:creationId xmlns:a16="http://schemas.microsoft.com/office/drawing/2014/main" id="{5AFB34E9-8024-4488-91BC-1C28D84AEE33}"/>
+              </a:ext>
+            </a:extLst>
+          </p:cNvPr>
+          <p:cNvPicPr>
+            <a:picLocks noChangeAspect="1"/>
+          </p:cNvPicPr>
+          <p:nvPr/>
+        </p:nvPicPr>
+        <p:blipFill rotWithShape="1">
+          <a:blip r:embed="rId3">
+            <a:extLst>
+              <a:ext uri="{28A0092B-C50C-407E-A947-70E740481C1C}">
+                <a14:useLocalDpi xmlns:a14="http://schemas.microsoft.com/office/drawing/2010/main" val="0"/>
+              </a:ext>
+            </a:extLst>
+          </a:blip>
+          <a:srcRect b="5675"/>
+          <a:stretch/>
+        </p:blipFill>
+        <p:spPr>
+          <a:xfrm>
+            <a:off x="4574322" y="4231820"/>
+            <a:ext cx="3345178" cy="2590536"/>
+          </a:xfrm>
+          <a:prstGeom prst="rect">
+            <a:avLst/>
+          </a:prstGeom>
+        </p:spPr>
+      </p:pic>
+      <p:pic>
+        <p:nvPicPr>
+          <p:cNvPr id="11" name="Picture 10" descr="Chart, line chart&#10;&#10;Description automatically generated">
+            <a:extLst>
+              <a:ext uri="{FF2B5EF4-FFF2-40B4-BE49-F238E27FC236}">
+                <a16:creationId xmlns:a16="http://schemas.microsoft.com/office/drawing/2014/main" id="{EA1CC84B-A21F-4047-AC39-83F388A7E0FF}"/>
+              </a:ext>
+            </a:extLst>
+          </p:cNvPr>
+          <p:cNvPicPr>
+            <a:picLocks noChangeAspect="1"/>
+          </p:cNvPicPr>
+          <p:nvPr/>
+        </p:nvPicPr>
+        <p:blipFill rotWithShape="1">
+          <a:blip r:embed="rId4">
+            <a:extLst>
+              <a:ext uri="{28A0092B-C50C-407E-A947-70E740481C1C}">
+                <a14:useLocalDpi xmlns:a14="http://schemas.microsoft.com/office/drawing/2010/main" val="0"/>
+              </a:ext>
+            </a:extLst>
+          </a:blip>
+          <a:srcRect b="6263"/>
+          <a:stretch/>
+        </p:blipFill>
+        <p:spPr>
+          <a:xfrm>
+            <a:off x="7919500" y="4231819"/>
+            <a:ext cx="3366169" cy="2590537"/>
+          </a:xfrm>
+          <a:prstGeom prst="rect">
+            <a:avLst/>
+          </a:prstGeom>
+        </p:spPr>
+      </p:pic>
+      <p:pic>
+        <p:nvPicPr>
+          <p:cNvPr id="4" name="Picture 3" descr="Chart, line chart&#10;&#10;Description automatically generated">
+            <a:extLst>
+              <a:ext uri="{FF2B5EF4-FFF2-40B4-BE49-F238E27FC236}">
+                <a16:creationId xmlns:a16="http://schemas.microsoft.com/office/drawing/2014/main" id="{7CA40C19-D598-48B1-873A-EAE00DD39060}"/>
+              </a:ext>
+            </a:extLst>
+          </p:cNvPr>
+          <p:cNvPicPr>
+            <a:picLocks noChangeAspect="1"/>
+          </p:cNvPicPr>
+          <p:nvPr/>
+        </p:nvPicPr>
+        <p:blipFill rotWithShape="1">
+          <a:blip r:embed="rId5">
+            <a:extLst>
+              <a:ext uri="{28A0092B-C50C-407E-A947-70E740481C1C}">
+                <a14:useLocalDpi xmlns:a14="http://schemas.microsoft.com/office/drawing/2010/main" val="0"/>
+              </a:ext>
+            </a:extLst>
+          </a:blip>
+          <a:srcRect b="5928"/>
+          <a:stretch/>
+        </p:blipFill>
+        <p:spPr>
+          <a:xfrm>
+            <a:off x="1224155" y="4231818"/>
+            <a:ext cx="3354143" cy="2590537"/>
+          </a:xfrm>
+          <a:prstGeom prst="rect">
+            <a:avLst/>
+          </a:prstGeom>
+        </p:spPr>
+      </p:pic>
+      <p:pic>
+        <p:nvPicPr>
+          <p:cNvPr id="13" name="Picture 12" descr="Chart, bar chart, histogram&#10;&#10;Description automatically generated">
+            <a:extLst>
+              <a:ext uri="{FF2B5EF4-FFF2-40B4-BE49-F238E27FC236}">
+                <a16:creationId xmlns:a16="http://schemas.microsoft.com/office/drawing/2014/main" id="{AA7FCB53-2CCF-4E2A-9595-328A4326DB5B}"/>
+              </a:ext>
+            </a:extLst>
+          </p:cNvPr>
+          <p:cNvPicPr>
+            <a:picLocks noChangeAspect="1"/>
+          </p:cNvPicPr>
+          <p:nvPr/>
+        </p:nvPicPr>
+        <p:blipFill>
+          <a:blip r:embed="rId6">
+            <a:extLst>
+              <a:ext uri="{28A0092B-C50C-407E-A947-70E740481C1C}">
+                <a14:useLocalDpi xmlns:a14="http://schemas.microsoft.com/office/drawing/2010/main" val="0"/>
+              </a:ext>
+            </a:extLst>
+          </a:blip>
+          <a:stretch>
+            <a:fillRect/>
+          </a:stretch>
+        </p:blipFill>
+        <p:spPr>
+          <a:xfrm>
+            <a:off x="4578072" y="97275"/>
+            <a:ext cx="6707598" cy="4142495"/>
+          </a:xfrm>
+          <a:prstGeom prst="rect">
+            <a:avLst/>
+          </a:prstGeom>
+        </p:spPr>
+      </p:pic>
+      <p:sp>
+        <p:nvSpPr>
+          <p:cNvPr id="10" name="Rectangle 9">
+            <a:extLst>
+              <a:ext uri="{FF2B5EF4-FFF2-40B4-BE49-F238E27FC236}">
+                <a16:creationId xmlns:a16="http://schemas.microsoft.com/office/drawing/2014/main" id="{09C36DBF-C02E-4B91-B6A9-00BD923F51BF}"/>
+              </a:ext>
+            </a:extLst>
+          </p:cNvPr>
+          <p:cNvSpPr/>
+          <p:nvPr/>
+        </p:nvSpPr>
+        <p:spPr>
+          <a:xfrm>
+            <a:off x="1215696" y="89322"/>
+            <a:ext cx="3354144" cy="2876322"/>
+          </a:xfrm>
+          <a:prstGeom prst="rect">
+            <a:avLst/>
+          </a:prstGeom>
+          <a:solidFill>
+            <a:srgbClr val="323D4D"/>
+          </a:solidFill>
+          <a:ln w="12700">
+            <a:solidFill>
+              <a:schemeClr val="bg1"/>
+            </a:solidFill>
+          </a:ln>
+        </p:spPr>
+        <p:style>
+          <a:lnRef idx="2">
+            <a:schemeClr val="accent1">
+              <a:shade val="50000"/>
+            </a:schemeClr>
+          </a:lnRef>
+          <a:fillRef idx="1">
+            <a:schemeClr val="accent1"/>
+          </a:fillRef>
+          <a:effectRef idx="0">
+            <a:schemeClr val="accent1"/>
+          </a:effectRef>
+          <a:fontRef idx="minor">
+            <a:schemeClr val="lt1"/>
+          </a:fontRef>
+        </p:style>
+        <p:txBody>
+          <a:bodyPr rtlCol="0" anchor="ctr"/>
+          <a:lstStyle/>
+          <a:p>
+            <a:endParaRPr lang="en-US" b="1" dirty="0">
+              <a:latin typeface="Arial" panose="020B0604020202020204" pitchFamily="34" charset="0"/>
+              <a:cs typeface="Arial" panose="020B0604020202020204" pitchFamily="34" charset="0"/>
+            </a:endParaRPr>
+          </a:p>
+          <a:p>
+            <a:pPr marL="72000"/>
+            <a:endParaRPr lang="en-US" sz="300" b="1" dirty="0">
+              <a:latin typeface="Arial" panose="020B0604020202020204" pitchFamily="34" charset="0"/>
+              <a:cs typeface="Arial" panose="020B0604020202020204" pitchFamily="34" charset="0"/>
+            </a:endParaRPr>
+          </a:p>
+          <a:p>
+            <a:pPr marL="90000"/>
+            <a:r>
+              <a:rPr lang="en-US" sz="1600" b="1" dirty="0">
+                <a:latin typeface="Arial" panose="020B0604020202020204" pitchFamily="34" charset="0"/>
+                <a:cs typeface="Arial" panose="020B0604020202020204" pitchFamily="34" charset="0"/>
+              </a:rPr>
+              <a:t>Reports of suspected adverse reactions to COVID-19 vaccines in Switzerland</a:t>
+            </a:r>
+          </a:p>
+          <a:p>
+            <a:pPr marL="90000"/>
+            <a:endParaRPr lang="en-US" sz="500" b="1" dirty="0">
+              <a:latin typeface="Arial" panose="020B0604020202020204" pitchFamily="34" charset="0"/>
+              <a:cs typeface="Arial" panose="020B0604020202020204" pitchFamily="34" charset="0"/>
+            </a:endParaRPr>
+          </a:p>
+          <a:p>
+            <a:pPr marL="90000">
+              <a:lnSpc>
+                <a:spcPct val="110000"/>
+              </a:lnSpc>
+              <a:spcAft>
+                <a:spcPts val="300"/>
+              </a:spcAft>
+            </a:pPr>
+            <a:r>
+              <a:rPr lang="en-US" sz="1050" dirty="0" err="1">
+                <a:latin typeface="Arial" panose="020B0604020202020204" pitchFamily="34" charset="0"/>
+                <a:cs typeface="Arial" panose="020B0604020202020204" pitchFamily="34" charset="0"/>
+              </a:rPr>
+              <a:t>Swissmedic</a:t>
+            </a:r>
+            <a:r>
+              <a:rPr lang="en-US" sz="1050" dirty="0">
+                <a:latin typeface="Arial" panose="020B0604020202020204" pitchFamily="34" charset="0"/>
+                <a:cs typeface="Arial" panose="020B0604020202020204" pitchFamily="34" charset="0"/>
+              </a:rPr>
+              <a:t> collects the reports of suspected adverse reactions to Covid-19 vaccines in Switzerland. A report can be submitted by anyone, including patients, and it can contain more than one adverse reaction. These charts show the </a:t>
+            </a:r>
+            <a:r>
+              <a:rPr lang="en-US" sz="1050" u="sng" dirty="0">
+                <a:latin typeface="Arial" panose="020B0604020202020204" pitchFamily="34" charset="0"/>
+                <a:cs typeface="Arial" panose="020B0604020202020204" pitchFamily="34" charset="0"/>
+              </a:rPr>
+              <a:t>number of reports</a:t>
+            </a:r>
+            <a:r>
+              <a:rPr lang="en-US" sz="1050" dirty="0">
+                <a:latin typeface="Arial" panose="020B0604020202020204" pitchFamily="34" charset="0"/>
+                <a:cs typeface="Arial" panose="020B0604020202020204" pitchFamily="34" charset="0"/>
+              </a:rPr>
+              <a:t> in absolute numbers and per 100,000 vaccinated people, from 23 March 2021 to 23 November 2021. Reports are updated every three weeks (with exceptions). These data and analyses have important limitations and must be interpreted with caution.</a:t>
+            </a:r>
+            <a:endParaRPr lang="en-US" sz="1100" b="1" dirty="0">
+              <a:latin typeface="Arial" panose="020B0604020202020204" pitchFamily="34" charset="0"/>
+              <a:cs typeface="Arial" panose="020B0604020202020204" pitchFamily="34" charset="0"/>
+            </a:endParaRPr>
+          </a:p>
+          <a:p>
+            <a:endParaRPr lang="en-US" sz="1600" b="1" dirty="0">
+              <a:latin typeface="Arial" panose="020B0604020202020204" pitchFamily="34" charset="0"/>
+              <a:cs typeface="Arial" panose="020B0604020202020204" pitchFamily="34" charset="0"/>
+            </a:endParaRPr>
+          </a:p>
+        </p:txBody>
+      </p:sp>
+    </p:spTree>
+    <p:extLst>
+      <p:ext uri="{BB962C8B-B14F-4D97-AF65-F5344CB8AC3E}">
+        <p14:creationId xmlns:p14="http://schemas.microsoft.com/office/powerpoint/2010/main" val="771400864"/>
+      </p:ext>
+    </p:extLst>
+  </p:cSld>
+  <p:clrMapOvr>
+    <a:masterClrMapping/>
+  </p:clrMapOvr>
+</p:sld>
+</file>
+
 <file path=ppt/theme/theme1.xml><?xml version="1.0" encoding="utf-8"?>
 <a:theme xmlns:a="http://schemas.openxmlformats.org/drawingml/2006/main" name="Office Theme">
   <a:themeElements>
